--- a/thesis/presentation/prezentace.pptx
+++ b/thesis/presentation/prezentace.pptx
@@ -139,6 +139,10 @@
 </p:presentation>
 </file>
 
+<file path=ppt/revisionInfo.xml><?xml version="1.0" encoding="utf-8"?>
+<p1510:revInfo xmlns:a="http://schemas.openxmlformats.org/drawingml/2006/main" xmlns:r="http://schemas.openxmlformats.org/officeDocument/2006/relationships" xmlns:p1510="http://schemas.microsoft.com/office/powerpoint/2015/10/main"/>
+</file>
+
 <file path=ppt/handoutMasters/handoutMaster1.xml><?xml version="1.0" encoding="utf-8"?>
 <p:handoutMaster xmlns:a="http://schemas.openxmlformats.org/drawingml/2006/main" xmlns:r="http://schemas.openxmlformats.org/officeDocument/2006/relationships" xmlns:p="http://schemas.openxmlformats.org/presentationml/2006/main">
   <p:cSld>
@@ -221,7 +225,7 @@
           <a:p>
             <a:fld id="{34475077-A074-4E8C-B45E-964494945228}" type="datetimeFigureOut">
               <a:rPr lang="cs-CZ" smtClean="0"/>
-              <a:t>12.06.2017</a:t>
+              <a:t>13.06.2017</a:t>
             </a:fld>
             <a:endParaRPr lang="cs-CZ" dirty="0"/>
           </a:p>
@@ -386,7 +390,7 @@
           <a:p>
             <a:fld id="{6A2B48A4-4B96-49F4-8C25-4C9D06114B2C}" type="datetimeFigureOut">
               <a:rPr lang="cs-CZ" smtClean="0"/>
-              <a:t>12.06.2017</a:t>
+              <a:t>13.06.2017</a:t>
             </a:fld>
             <a:endParaRPr lang="cs-CZ" dirty="0"/>
           </a:p>
@@ -879,7 +883,7 @@
           <a:p>
             <a:fld id="{CE21F091-29E7-499A-A2B4-9BFCA64BC6D0}" type="datetimeFigureOut">
               <a:rPr lang="en-US" smtClean="0"/>
-              <a:t>12-Jun-17</a:t>
+              <a:t>13-Jun-17</a:t>
             </a:fld>
             <a:endParaRPr lang="en-US"/>
           </a:p>
@@ -1099,7 +1103,7 @@
           <a:p>
             <a:fld id="{0402902D-A5F5-4D7D-AAA7-32469BA0BC4D}" type="datetimeFigureOut">
               <a:rPr lang="cs-CZ" smtClean="0"/>
-              <a:t>12.06.2017</a:t>
+              <a:t>13.06.2017</a:t>
             </a:fld>
             <a:endParaRPr lang="cs-CZ" dirty="0"/>
           </a:p>
@@ -1367,7 +1371,7 @@
           <a:p>
             <a:fld id="{0402902D-A5F5-4D7D-AAA7-32469BA0BC4D}" type="datetimeFigureOut">
               <a:rPr lang="cs-CZ" smtClean="0"/>
-              <a:t>12.06.2017</a:t>
+              <a:t>13.06.2017</a:t>
             </a:fld>
             <a:endParaRPr lang="cs-CZ" dirty="0"/>
           </a:p>
@@ -1549,7 +1553,7 @@
           <a:p>
             <a:fld id="{0402902D-A5F5-4D7D-AAA7-32469BA0BC4D}" type="datetimeFigureOut">
               <a:rPr lang="cs-CZ" smtClean="0"/>
-              <a:t>12.06.2017</a:t>
+              <a:t>13.06.2017</a:t>
             </a:fld>
             <a:endParaRPr lang="cs-CZ" dirty="0"/>
           </a:p>
@@ -1904,7 +1908,7 @@
           <a:p>
             <a:fld id="{CE21F091-29E7-499A-A2B4-9BFCA64BC6D0}" type="datetimeFigureOut">
               <a:rPr lang="en-US" smtClean="0"/>
-              <a:t>12-Jun-17</a:t>
+              <a:t>13-Jun-17</a:t>
             </a:fld>
             <a:endParaRPr lang="en-US"/>
           </a:p>
@@ -2191,7 +2195,7 @@
           <a:p>
             <a:fld id="{0402902D-A5F5-4D7D-AAA7-32469BA0BC4D}" type="datetimeFigureOut">
               <a:rPr lang="cs-CZ" smtClean="0"/>
-              <a:t>12.06.2017</a:t>
+              <a:t>13.06.2017</a:t>
             </a:fld>
             <a:endParaRPr lang="cs-CZ" dirty="0"/>
           </a:p>
@@ -2582,7 +2586,7 @@
           <a:p>
             <a:fld id="{0402902D-A5F5-4D7D-AAA7-32469BA0BC4D}" type="datetimeFigureOut">
               <a:rPr lang="cs-CZ" smtClean="0"/>
-              <a:t>12.06.2017</a:t>
+              <a:t>13.06.2017</a:t>
             </a:fld>
             <a:endParaRPr lang="cs-CZ" dirty="0"/>
           </a:p>
@@ -2713,7 +2717,7 @@
             <a:fld id="{0402902D-A5F5-4D7D-AAA7-32469BA0BC4D}" type="datetimeFigureOut">
               <a:rPr lang="cs-CZ" smtClean="0"/>
               <a:pPr/>
-              <a:t>12.06.2017</a:t>
+              <a:t>13.06.2017</a:t>
             </a:fld>
             <a:endParaRPr lang="cs-CZ" dirty="0"/>
           </a:p>
@@ -2885,7 +2889,7 @@
           <a:p>
             <a:fld id="{0402902D-A5F5-4D7D-AAA7-32469BA0BC4D}" type="datetimeFigureOut">
               <a:rPr lang="cs-CZ" smtClean="0"/>
-              <a:t>12.06.2017</a:t>
+              <a:t>13.06.2017</a:t>
             </a:fld>
             <a:endParaRPr lang="cs-CZ" dirty="0"/>
           </a:p>
@@ -3251,7 +3255,7 @@
           <a:p>
             <a:fld id="{CE21F091-29E7-499A-A2B4-9BFCA64BC6D0}" type="datetimeFigureOut">
               <a:rPr lang="en-US" smtClean="0"/>
-              <a:t>12-Jun-17</a:t>
+              <a:t>13-Jun-17</a:t>
             </a:fld>
             <a:endParaRPr lang="en-US"/>
           </a:p>
@@ -3645,7 +3649,7 @@
           <a:p>
             <a:fld id="{CE21F091-29E7-499A-A2B4-9BFCA64BC6D0}" type="datetimeFigureOut">
               <a:rPr lang="en-US" smtClean="0"/>
-              <a:t>12-Jun-17</a:t>
+              <a:t>13-Jun-17</a:t>
             </a:fld>
             <a:endParaRPr lang="en-US"/>
           </a:p>
@@ -3945,7 +3949,7 @@
             <a:fld id="{0402902D-A5F5-4D7D-AAA7-32469BA0BC4D}" type="datetimeFigureOut">
               <a:rPr lang="cs-CZ" smtClean="0"/>
               <a:pPr/>
-              <a:t>12.06.2017</a:t>
+              <a:t>13.06.2017</a:t>
             </a:fld>
             <a:endParaRPr lang="cs-CZ" dirty="0"/>
           </a:p>
@@ -4738,28 +4742,28 @@
           <a:lstStyle/>
           <a:p>
             <a:r>
-              <a:rPr lang="cs-CZ" sz="3200" b="1" dirty="0"/>
+              <a:rPr lang="cs-CZ" sz="3200" b="1"/>
               <a:t>Učení se hraní strategických</a:t>
             </a:r>
             <a:br>
-              <a:rPr lang="cs-CZ" sz="3200" dirty="0"/>
+              <a:rPr lang="cs-CZ" sz="3200"/>
             </a:br>
             <a:r>
-              <a:rPr lang="cs-CZ" sz="3200" b="1" dirty="0"/>
+              <a:rPr lang="cs-CZ" sz="3200" b="1"/>
               <a:t>her reálného času z</a:t>
             </a:r>
             <a:br>
-              <a:rPr lang="cs-CZ" sz="3200" dirty="0"/>
+              <a:rPr lang="cs-CZ" sz="3200"/>
             </a:br>
             <a:r>
-              <a:rPr lang="cs-CZ" sz="3200" b="1" dirty="0"/>
+              <a:rPr lang="cs-CZ" sz="3200" b="1"/>
               <a:t>demonstrací s využitím</a:t>
             </a:r>
             <a:br>
-              <a:rPr lang="cs-CZ" sz="3200" dirty="0"/>
+              <a:rPr lang="cs-CZ" sz="3200"/>
             </a:br>
             <a:r>
-              <a:rPr lang="cs-CZ" sz="3200" b="1" dirty="0"/>
+              <a:rPr lang="cs-CZ" sz="3200" b="1"/>
               <a:t>decentralizovaného MAS</a:t>
             </a:r>
             <a:endParaRPr lang="cs-CZ" sz="3200" dirty="0">
@@ -4799,7 +4803,7 @@
               </a:spcBef>
             </a:pPr>
             <a:r>
-              <a:rPr lang="cs-CZ" sz="2200" dirty="0">
+              <a:rPr lang="cs-CZ" sz="2200">
                 <a:solidFill>
                   <a:schemeClr val="tx1">
                     <a:lumMod val="85000"/>
@@ -4820,66 +4824,17 @@
               </a:spcBef>
             </a:pPr>
             <a:r>
-              <a:rPr lang="cs-CZ" sz="2200" dirty="0">
+              <a:rPr lang="cs-CZ" sz="1400">
                 <a:solidFill>
                   <a:schemeClr val="tx1">
                     <a:lumMod val="85000"/>
                     <a:lumOff val="15000"/>
                   </a:schemeClr>
                 </a:solidFill>
-                <a:hlinkClick r:id="rId3"/>
               </a:rPr>
               <a:t>me@janmaly.name</a:t>
             </a:r>
-            <a:endParaRPr lang="cs-CZ" sz="2200" dirty="0">
-              <a:solidFill>
-                <a:schemeClr val="tx1">
-                  <a:lumMod val="85000"/>
-                  <a:lumOff val="15000"/>
-                </a:schemeClr>
-              </a:solidFill>
-            </a:endParaRPr>
-          </a:p>
-          <a:p>
-            <a:pPr>
-              <a:lnSpc>
-                <a:spcPct val="70000"/>
-              </a:lnSpc>
-              <a:spcBef>
-                <a:spcPts val="0"/>
-              </a:spcBef>
-            </a:pPr>
-            <a:r>
-              <a:rPr lang="cs-CZ" sz="2200" dirty="0">
-                <a:solidFill>
-                  <a:schemeClr val="tx1">
-                    <a:lumMod val="85000"/>
-                    <a:lumOff val="15000"/>
-                  </a:schemeClr>
-                </a:solidFill>
-                <a:hlinkClick r:id="rId4"/>
-              </a:rPr>
-              <a:t>https://github.com/honzaMaly/kusanagi</a:t>
-            </a:r>
-            <a:endParaRPr lang="cs-CZ" sz="2200" dirty="0">
-              <a:solidFill>
-                <a:schemeClr val="tx1">
-                  <a:lumMod val="85000"/>
-                  <a:lumOff val="15000"/>
-                </a:schemeClr>
-              </a:solidFill>
-            </a:endParaRPr>
-          </a:p>
-          <a:p>
-            <a:pPr>
-              <a:lnSpc>
-                <a:spcPct val="70000"/>
-              </a:lnSpc>
-              <a:spcBef>
-                <a:spcPts val="0"/>
-              </a:spcBef>
-            </a:pPr>
-            <a:endParaRPr lang="cs-CZ" sz="2200" dirty="0">
+            <a:endParaRPr lang="cs-CZ" sz="1400" dirty="0">
               <a:solidFill>
                 <a:schemeClr val="tx1">
                   <a:lumMod val="85000"/>
@@ -5373,7 +5328,7 @@
         </p:spPr>
         <p:txBody>
           <a:bodyPr vert="horz" lIns="0" tIns="45720" rIns="0" bIns="45720" rtlCol="0">
-            <a:normAutofit fontScale="92500"/>
+            <a:normAutofit/>
           </a:bodyPr>
           <a:lstStyle/>
           <a:p>
@@ -5419,8 +5374,16 @@
               <a:buChar char="•"/>
             </a:pPr>
             <a:r>
+              <a:rPr lang="en-US" dirty="0"/>
+              <a:t>Nau</a:t>
+            </a:r>
+            <a:r>
+              <a:rPr lang="cs-CZ" dirty="0" err="1"/>
+              <a:t>čení</a:t>
+            </a:r>
+            <a:r>
               <a:rPr lang="cs-CZ" dirty="0"/>
-              <a:t>Bot se rozhoduje na základě toho, co se naučil z demonstrací</a:t>
+              <a:t> rozhodování bota na základě demonstrací</a:t>
             </a:r>
           </a:p>
           <a:p>
@@ -5433,7 +5396,7 @@
             </a:pPr>
             <a:r>
               <a:rPr lang="cs-CZ" dirty="0"/>
-              <a:t>Pro kompetentního bota je nutné integrovat řadu technik a problém dekomponovat/abstrahovat</a:t>
+              <a:t>Dekomponování/abstrahování problému hraní RTS</a:t>
             </a:r>
           </a:p>
         </p:txBody>
@@ -5448,13 +5411,13 @@
   <p:clrMapOvr>
     <a:masterClrMapping/>
   </p:clrMapOvr>
-  <mc:AlternateContent xmlns:mc="http://schemas.openxmlformats.org/markup-compatibility/2006">
-    <mc:Choice xmlns:p14="http://schemas.microsoft.com/office/powerpoint/2010/main" Requires="p14">
+  <mc:AlternateContent xmlns:mc="http://schemas.openxmlformats.org/markup-compatibility/2006" xmlns:p14="http://schemas.microsoft.com/office/powerpoint/2010/main">
+    <mc:Choice Requires="p14">
       <p:transition spd="med" p14:dur="700">
         <p:fade/>
       </p:transition>
     </mc:Choice>
-    <mc:Fallback>
+    <mc:Fallback xmlns="">
       <p:transition spd="med">
         <p:fade/>
       </p:transition>
@@ -6031,13 +5994,13 @@
   <p:clrMapOvr>
     <a:masterClrMapping/>
   </p:clrMapOvr>
-  <mc:AlternateContent xmlns:mc="http://schemas.openxmlformats.org/markup-compatibility/2006">
-    <mc:Choice xmlns:p14="http://schemas.microsoft.com/office/powerpoint/2010/main" Requires="p14">
+  <mc:AlternateContent xmlns:mc="http://schemas.openxmlformats.org/markup-compatibility/2006" xmlns:p14="http://schemas.microsoft.com/office/powerpoint/2010/main">
+    <mc:Choice Requires="p14">
       <p:transition spd="med" p14:dur="700">
         <p:fade/>
       </p:transition>
     </mc:Choice>
-    <mc:Fallback>
+    <mc:Fallback xmlns="">
       <p:transition spd="med">
         <p:fade/>
       </p:transition>
@@ -6814,13 +6777,13 @@
   <p:clrMapOvr>
     <a:masterClrMapping/>
   </p:clrMapOvr>
-  <mc:AlternateContent xmlns:mc="http://schemas.openxmlformats.org/markup-compatibility/2006">
-    <mc:Choice xmlns:p14="http://schemas.microsoft.com/office/powerpoint/2010/main" Requires="p14">
+  <mc:AlternateContent xmlns:mc="http://schemas.openxmlformats.org/markup-compatibility/2006" xmlns:p14="http://schemas.microsoft.com/office/powerpoint/2010/main">
+    <mc:Choice Requires="p14">
       <p:transition spd="med" p14:dur="700">
         <p:fade/>
       </p:transition>
     </mc:Choice>
-    <mc:Fallback>
+    <mc:Fallback xmlns="">
       <p:transition spd="med">
         <p:fade/>
       </p:transition>
@@ -7683,13 +7646,13 @@
   <p:clrMapOvr>
     <a:masterClrMapping/>
   </p:clrMapOvr>
-  <mc:AlternateContent xmlns:mc="http://schemas.openxmlformats.org/markup-compatibility/2006">
-    <mc:Choice xmlns:p14="http://schemas.microsoft.com/office/powerpoint/2010/main" Requires="p14">
+  <mc:AlternateContent xmlns:mc="http://schemas.openxmlformats.org/markup-compatibility/2006" xmlns:p14="http://schemas.microsoft.com/office/powerpoint/2010/main">
+    <mc:Choice Requires="p14">
       <p:transition spd="med" p14:dur="700">
         <p:fade/>
       </p:transition>
     </mc:Choice>
-    <mc:Fallback>
+    <mc:Fallback xmlns="">
       <p:transition spd="med">
         <p:fade/>
       </p:transition>
@@ -8389,13 +8352,13 @@
   <p:clrMapOvr>
     <a:masterClrMapping/>
   </p:clrMapOvr>
-  <mc:AlternateContent xmlns:mc="http://schemas.openxmlformats.org/markup-compatibility/2006">
-    <mc:Choice xmlns:p14="http://schemas.microsoft.com/office/powerpoint/2010/main" Requires="p14">
+  <mc:AlternateContent xmlns:mc="http://schemas.openxmlformats.org/markup-compatibility/2006" xmlns:p14="http://schemas.microsoft.com/office/powerpoint/2010/main">
+    <mc:Choice Requires="p14">
       <p:transition spd="med" p14:dur="700">
         <p:fade/>
       </p:transition>
     </mc:Choice>
-    <mc:Fallback>
+    <mc:Fallback xmlns="">
       <p:transition spd="med">
         <p:fade/>
       </p:transition>
@@ -8483,7 +8446,7 @@
             </a:pPr>
             <a:r>
               <a:rPr lang="cs-CZ" dirty="0"/>
-              <a:t>Dokáže stavět infrastrukturu, expandovat a (většinou) adaptuje se situaci</a:t>
+              <a:t>Dokáže stavět infrastrukturu, expandovat a adaptuje se situaci</a:t>
             </a:r>
           </a:p>
           <a:p>
@@ -9252,101 +9215,6 @@
             </a:r>
             <a:endParaRPr lang="en-US" dirty="0"/>
           </a:p>
-          <a:p>
-            <a:pPr>
-              <a:buFont typeface="Calibri" panose="020F0502020204030204" pitchFamily="34" charset="0"/>
-              <a:buChar char="•"/>
-            </a:pPr>
-            <a:r>
-              <a:rPr lang="en-US" b="1" dirty="0" err="1"/>
-              <a:t>Reprezentace</a:t>
-            </a:r>
-            <a:r>
-              <a:rPr lang="en-US" b="1" dirty="0"/>
-              <a:t> </a:t>
-            </a:r>
-            <a:r>
-              <a:rPr lang="en-US" b="1" dirty="0" err="1"/>
-              <a:t>školy</a:t>
-            </a:r>
-            <a:r>
-              <a:rPr lang="en-US" b="1" dirty="0"/>
-              <a:t> </a:t>
-            </a:r>
-            <a:r>
-              <a:rPr lang="en-US" b="1" dirty="0" err="1"/>
-              <a:t>na</a:t>
-            </a:r>
-            <a:r>
-              <a:rPr lang="en-US" b="1" dirty="0"/>
-              <a:t> </a:t>
-            </a:r>
-            <a:r>
-              <a:rPr lang="en-US" b="1" dirty="0" err="1"/>
-              <a:t>různých</a:t>
-            </a:r>
-            <a:r>
-              <a:rPr lang="en-US" b="1" dirty="0"/>
-              <a:t> </a:t>
-            </a:r>
-            <a:r>
-              <a:rPr lang="en-US" b="1" dirty="0" err="1"/>
-              <a:t>turnajích</a:t>
-            </a:r>
-            <a:r>
-              <a:rPr lang="en-US" b="1" dirty="0"/>
-              <a:t> </a:t>
-            </a:r>
-            <a:r>
-              <a:rPr lang="en-US" b="1" dirty="0" err="1"/>
-              <a:t>botů</a:t>
-            </a:r>
-            <a:r>
-              <a:rPr lang="en-US" b="1" dirty="0"/>
-              <a:t> v </a:t>
-            </a:r>
-            <a:r>
-              <a:rPr lang="en-US" b="1" dirty="0" err="1"/>
-              <a:t>rámci</a:t>
-            </a:r>
-            <a:r>
-              <a:rPr lang="en-US" b="1" dirty="0"/>
-              <a:t> AI </a:t>
-            </a:r>
-            <a:r>
-              <a:rPr lang="en-US" b="1" dirty="0" err="1"/>
-              <a:t>konferencí</a:t>
-            </a:r>
-            <a:r>
-              <a:rPr lang="en-US" b="1" dirty="0"/>
-              <a:t> </a:t>
-            </a:r>
-            <a:r>
-              <a:rPr lang="cs-CZ" b="1" dirty="0"/>
-              <a:t>(</a:t>
-            </a:r>
-            <a:r>
-              <a:rPr lang="en-US" b="1" dirty="0" err="1"/>
-              <a:t>po</a:t>
-            </a:r>
-            <a:r>
-              <a:rPr lang="en-US" b="1" dirty="0"/>
-              <a:t> </a:t>
-            </a:r>
-            <a:r>
-              <a:rPr lang="en-US" b="1" dirty="0" err="1"/>
-              <a:t>vyl</a:t>
-            </a:r>
-            <a:r>
-              <a:rPr lang="cs-CZ" b="1" dirty="0" err="1"/>
-              <a:t>adění</a:t>
-            </a:r>
-            <a:r>
-              <a:rPr lang="cs-CZ" b="1" dirty="0"/>
-              <a:t>)</a:t>
-            </a:r>
-            <a:endParaRPr lang="en-US" b="1" dirty="0"/>
-          </a:p>
         </p:txBody>
       </p:sp>
     </p:spTree>
@@ -9359,13 +9227,13 @@
   <p:clrMapOvr>
     <a:masterClrMapping/>
   </p:clrMapOvr>
-  <mc:AlternateContent xmlns:mc="http://schemas.openxmlformats.org/markup-compatibility/2006">
-    <mc:Choice xmlns:p14="http://schemas.microsoft.com/office/powerpoint/2010/main" Requires="p14">
+  <mc:AlternateContent xmlns:mc="http://schemas.openxmlformats.org/markup-compatibility/2006" xmlns:p14="http://schemas.microsoft.com/office/powerpoint/2010/main">
+    <mc:Choice Requires="p14">
       <p:transition spd="med" p14:dur="700">
         <p:fade/>
       </p:transition>
     </mc:Choice>
-    <mc:Fallback>
+    <mc:Fallback xmlns="">
       <p:transition spd="med">
         <p:fade/>
       </p:transition>
@@ -10170,6 +10038,36 @@
 </file>
 
 <file path=customXml/item1.xml><?xml version="1.0" encoding="utf-8"?>
+<Control xmlns="http://schemas.microsoft.com/VisualStudio/2011/storyboarding/control/v1.0">
+  <Id Name="System.Storyboarding.Common.Text" RevisionId="68ea164d-c1de-47a5-804f-d4d1290fa524" Stencil="System.Storyboarding.Common" StencilRevisionId="68ea164d-c1de-47a5-804f-d4d1290fa524" StencilVersion="0.1"/>
+</Control>
+</file>
+
+<file path=customXml/item10.xml><?xml version="1.0" encoding="utf-8"?>
+<Control xmlns="http://schemas.microsoft.com/VisualStudio/2011/storyboarding/control/v1.0">
+  <Id Name="System.Storyboarding.Common.Breadcrumb" RevisionId="68ea164d-c1de-47a5-804f-d4d1290fa524" Stencil="System.Storyboarding.Common" StencilRevisionId="68ea164d-c1de-47a5-804f-d4d1290fa524" StencilVersion="0.1"/>
+</Control>
+</file>
+
+<file path=customXml/item11.xml><?xml version="1.0" encoding="utf-8"?>
+<Control xmlns="http://schemas.microsoft.com/VisualStudio/2011/storyboarding/control/v1.0">
+  <Id Name="System.Storyboarding.Common.Text" RevisionId="68ea164d-c1de-47a5-804f-d4d1290fa524" Stencil="System.Storyboarding.Common" StencilRevisionId="68ea164d-c1de-47a5-804f-d4d1290fa524" StencilVersion="0.1"/>
+</Control>
+</file>
+
+<file path=customXml/item2.xml><?xml version="1.0" encoding="utf-8"?>
+<Control xmlns="http://schemas.microsoft.com/VisualStudio/2011/storyboarding/control/v1.0">
+  <Id Name="System.Storyboarding.Common.SearchBox" RevisionId="68ea164d-c1de-47a5-804f-d4d1290fa524" Stencil="System.Storyboarding.Common" StencilRevisionId="68ea164d-c1de-47a5-804f-d4d1290fa524" StencilVersion="0.1"/>
+</Control>
+</file>
+
+<file path=customXml/item3.xml><?xml version="1.0" encoding="utf-8"?>
+<Control xmlns="http://schemas.microsoft.com/VisualStudio/2011/storyboarding/control">
+  <Id Name="System.Storyboarding.Backgrounds.DesktopTaskbar" Revision="1" Stencil="System.Storyboarding.Backgrounds" StencilVersion="0.1"/>
+</Control>
+</file>
+
+<file path=customXml/item4.xml><?xml version="1.0" encoding="utf-8"?>
 <?mso-contentType ?>
 <FormTemplates xmlns="http://schemas.microsoft.com/sharepoint/v3/contenttype/forms">
   <Display>DocumentLibraryForm</Display>
@@ -10178,51 +10076,21 @@
 </FormTemplates>
 </file>
 
-<file path=customXml/item10.xml><?xml version="1.0" encoding="utf-8"?>
+<file path=customXml/item5.xml><?xml version="1.0" encoding="utf-8"?>
 <Control xmlns="http://schemas.microsoft.com/VisualStudio/2011/storyboarding/control/v1.0">
-  <Id Name="System.Storyboarding.Common.Text" RevisionId="68ea164d-c1de-47a5-804f-d4d1290fa524" Stencil="System.Storyboarding.Common" StencilRevisionId="68ea164d-c1de-47a5-804f-d4d1290fa524" StencilVersion="0.1"/>
+  <Id Name="System.Storyboarding.Common.DropdownBox" RevisionId="68ea164d-c1de-47a5-804f-d4d1290fa524" Stencil="System.Storyboarding.Common" StencilRevisionId="68ea164d-c1de-47a5-804f-d4d1290fa524" StencilVersion="0.1"/>
 </Control>
 </file>
 
-<file path=customXml/item11.xml><?xml version="1.0" encoding="utf-8"?>
+<file path=customXml/item6.xml><?xml version="1.0" encoding="utf-8"?>
 <Control xmlns="http://schemas.microsoft.com/VisualStudio/2011/storyboarding/control">
   <Id Name="System.Storyboarding.Backgrounds.SharePoint" Revision="1" Stencil="System.Storyboarding.Backgrounds" StencilVersion="0.1"/>
 </Control>
 </file>
 
-<file path=customXml/item2.xml><?xml version="1.0" encoding="utf-8"?>
-<Control xmlns="http://schemas.microsoft.com/VisualStudio/2011/storyboarding/control">
-  <Id Name="System.Storyboarding.Backgrounds.DesktopTaskbar" Revision="1" Stencil="System.Storyboarding.Backgrounds" StencilVersion="0.1"/>
-</Control>
-</file>
-
-<file path=customXml/item3.xml><?xml version="1.0" encoding="utf-8"?>
-<Control xmlns="http://schemas.microsoft.com/VisualStudio/2011/storyboarding/control/v1.0">
-  <Id Name="System.Storyboarding.Common.Text" RevisionId="68ea164d-c1de-47a5-804f-d4d1290fa524" Stencil="System.Storyboarding.Common" StencilRevisionId="68ea164d-c1de-47a5-804f-d4d1290fa524" StencilVersion="0.1"/>
-</Control>
-</file>
-
-<file path=customXml/item4.xml><?xml version="1.0" encoding="utf-8"?>
-<Control xmlns="http://schemas.microsoft.com/VisualStudio/2011/storyboarding/control/v1.0">
-  <Id Name="System.Storyboarding.Common.Text" RevisionId="68ea164d-c1de-47a5-804f-d4d1290fa524" Stencil="System.Storyboarding.Common" StencilRevisionId="68ea164d-c1de-47a5-804f-d4d1290fa524" StencilVersion="0.1"/>
-</Control>
-</file>
-
-<file path=customXml/item5.xml><?xml version="1.0" encoding="utf-8"?>
+<file path=customXml/item7.xml><?xml version="1.0" encoding="utf-8"?>
 <Control xmlns="http://schemas.microsoft.com/VisualStudio/2011/storyboarding/control/v1.0">
   <Id Name="System.Storyboarding.Media.Image" RevisionId="658c0869-8ded-44f2-a68a-f8e8fcb7d3bd" Stencil="System.Storyboarding.Media" StencilRevisionId="658c0869-8ded-44f2-a68a-f8e8fcb7d3bd" StencilVersion="0.1"/>
-</Control>
-</file>
-
-<file path=customXml/item6.xml><?xml version="1.0" encoding="utf-8"?>
-<Control xmlns="http://schemas.microsoft.com/VisualStudio/2011/storyboarding/control/v1.0">
-  <Id Name="System.Storyboarding.Common.DropdownBox" RevisionId="68ea164d-c1de-47a5-804f-d4d1290fa524" Stencil="System.Storyboarding.Common" StencilRevisionId="68ea164d-c1de-47a5-804f-d4d1290fa524" StencilVersion="0.1"/>
-</Control>
-</file>
-
-<file path=customXml/item7.xml><?xml version="1.0" encoding="utf-8"?>
-<Control xmlns="http://schemas.microsoft.com/VisualStudio/2011/storyboarding/control/v1.0">
-  <Id Name="System.Storyboarding.Common.SearchBox" RevisionId="68ea164d-c1de-47a5-804f-d4d1290fa524" Stencil="System.Storyboarding.Common" StencilRevisionId="68ea164d-c1de-47a5-804f-d4d1290fa524" StencilVersion="0.1"/>
 </Control>
 </file>
 
@@ -10234,11 +10102,51 @@
 
 <file path=customXml/item9.xml><?xml version="1.0" encoding="utf-8"?>
 <Control xmlns="http://schemas.microsoft.com/VisualStudio/2011/storyboarding/control/v1.0">
-  <Id Name="System.Storyboarding.Common.Breadcrumb" RevisionId="68ea164d-c1de-47a5-804f-d4d1290fa524" Stencil="System.Storyboarding.Common" StencilRevisionId="68ea164d-c1de-47a5-804f-d4d1290fa524" StencilVersion="0.1"/>
+  <Id Name="System.Storyboarding.Common.Text" RevisionId="68ea164d-c1de-47a5-804f-d4d1290fa524" Stencil="System.Storyboarding.Common" StencilRevisionId="68ea164d-c1de-47a5-804f-d4d1290fa524" StencilVersion="0.1"/>
 </Control>
 </file>
 
 <file path=customXml/itemProps1.xml><?xml version="1.0" encoding="utf-8"?>
+<ds:datastoreItem xmlns:ds="http://schemas.openxmlformats.org/officeDocument/2006/customXml" ds:itemID="{BCFDDF06-4D2E-4D6D-9A1B-C447B3F4EA67}">
+  <ds:schemaRefs>
+    <ds:schemaRef ds:uri="http://schemas.microsoft.com/VisualStudio/2011/storyboarding/control/v1.0"/>
+  </ds:schemaRefs>
+</ds:datastoreItem>
+</file>
+
+<file path=customXml/itemProps10.xml><?xml version="1.0" encoding="utf-8"?>
+<ds:datastoreItem xmlns:ds="http://schemas.openxmlformats.org/officeDocument/2006/customXml" ds:itemID="{2ED57B16-65F0-4D88-8FC8-86653DF414F3}">
+  <ds:schemaRefs>
+    <ds:schemaRef ds:uri="http://schemas.microsoft.com/VisualStudio/2011/storyboarding/control/v1.0"/>
+  </ds:schemaRefs>
+</ds:datastoreItem>
+</file>
+
+<file path=customXml/itemProps11.xml><?xml version="1.0" encoding="utf-8"?>
+<ds:datastoreItem xmlns:ds="http://schemas.openxmlformats.org/officeDocument/2006/customXml" ds:itemID="{D876FCC0-9E7A-48B1-8E50-1A0759F74E0A}">
+  <ds:schemaRefs>
+    <ds:schemaRef ds:uri="http://schemas.microsoft.com/VisualStudio/2011/storyboarding/control/v1.0"/>
+  </ds:schemaRefs>
+</ds:datastoreItem>
+</file>
+
+<file path=customXml/itemProps2.xml><?xml version="1.0" encoding="utf-8"?>
+<ds:datastoreItem xmlns:ds="http://schemas.openxmlformats.org/officeDocument/2006/customXml" ds:itemID="{AB8AF5A6-FA45-4246-A67D-74215671FBEF}">
+  <ds:schemaRefs>
+    <ds:schemaRef ds:uri="http://schemas.microsoft.com/VisualStudio/2011/storyboarding/control/v1.0"/>
+  </ds:schemaRefs>
+</ds:datastoreItem>
+</file>
+
+<file path=customXml/itemProps3.xml><?xml version="1.0" encoding="utf-8"?>
+<ds:datastoreItem xmlns:ds="http://schemas.openxmlformats.org/officeDocument/2006/customXml" ds:itemID="{4E195217-3701-4791-AB2F-65A223CB2758}">
+  <ds:schemaRefs>
+    <ds:schemaRef ds:uri="http://schemas.microsoft.com/VisualStudio/2011/storyboarding/control"/>
+  </ds:schemaRefs>
+</ds:datastoreItem>
+</file>
+
+<file path=customXml/itemProps4.xml><?xml version="1.0" encoding="utf-8"?>
 <ds:datastoreItem xmlns:ds="http://schemas.openxmlformats.org/officeDocument/2006/customXml" ds:itemID="{200D2812-26C1-4DE3-A709-802F852B966F}">
   <ds:schemaRefs>
     <ds:schemaRef ds:uri="http://schemas.microsoft.com/sharepoint/v3/contenttype/forms"/>
@@ -10246,7 +10154,31 @@
 </ds:datastoreItem>
 </file>
 
-<file path=customXml/itemProps10.xml><?xml version="1.0" encoding="utf-8"?>
+<file path=customXml/itemProps5.xml><?xml version="1.0" encoding="utf-8"?>
+<ds:datastoreItem xmlns:ds="http://schemas.openxmlformats.org/officeDocument/2006/customXml" ds:itemID="{5A6F5145-09F5-421E-ABA8-035D9DF59D73}">
+  <ds:schemaRefs>
+    <ds:schemaRef ds:uri="http://schemas.microsoft.com/VisualStudio/2011/storyboarding/control/v1.0"/>
+  </ds:schemaRefs>
+</ds:datastoreItem>
+</file>
+
+<file path=customXml/itemProps6.xml><?xml version="1.0" encoding="utf-8"?>
+<ds:datastoreItem xmlns:ds="http://schemas.openxmlformats.org/officeDocument/2006/customXml" ds:itemID="{1B924113-FFEC-4511-8AC7-4C42AA79665B}">
+  <ds:schemaRefs>
+    <ds:schemaRef ds:uri="http://schemas.microsoft.com/VisualStudio/2011/storyboarding/control"/>
+  </ds:schemaRefs>
+</ds:datastoreItem>
+</file>
+
+<file path=customXml/itemProps7.xml><?xml version="1.0" encoding="utf-8"?>
+<ds:datastoreItem xmlns:ds="http://schemas.openxmlformats.org/officeDocument/2006/customXml" ds:itemID="{366DA436-CE30-453F-9CC1-28AD3B50F144}">
+  <ds:schemaRefs>
+    <ds:schemaRef ds:uri="http://schemas.microsoft.com/VisualStudio/2011/storyboarding/control/v1.0"/>
+  </ds:schemaRefs>
+</ds:datastoreItem>
+</file>
+
+<file path=customXml/itemProps8.xml><?xml version="1.0" encoding="utf-8"?>
 <ds:datastoreItem xmlns:ds="http://schemas.openxmlformats.org/officeDocument/2006/customXml" ds:itemID="{4475BC4D-1BB3-42EE-94C9-1B162D8BAFED}">
   <ds:schemaRefs>
     <ds:schemaRef ds:uri="http://schemas.microsoft.com/VisualStudio/2011/storyboarding/control/v1.0"/>
@@ -10254,74 +10186,10 @@
 </ds:datastoreItem>
 </file>
 
-<file path=customXml/itemProps11.xml><?xml version="1.0" encoding="utf-8"?>
-<ds:datastoreItem xmlns:ds="http://schemas.openxmlformats.org/officeDocument/2006/customXml" ds:itemID="{1B924113-FFEC-4511-8AC7-4C42AA79665B}">
-  <ds:schemaRefs>
-    <ds:schemaRef ds:uri="http://schemas.microsoft.com/VisualStudio/2011/storyboarding/control"/>
-  </ds:schemaRefs>
-</ds:datastoreItem>
-</file>
-
-<file path=customXml/itemProps2.xml><?xml version="1.0" encoding="utf-8"?>
-<ds:datastoreItem xmlns:ds="http://schemas.openxmlformats.org/officeDocument/2006/customXml" ds:itemID="{4E195217-3701-4791-AB2F-65A223CB2758}">
-  <ds:schemaRefs>
-    <ds:schemaRef ds:uri="http://schemas.microsoft.com/VisualStudio/2011/storyboarding/control"/>
-  </ds:schemaRefs>
-</ds:datastoreItem>
-</file>
-
-<file path=customXml/itemProps3.xml><?xml version="1.0" encoding="utf-8"?>
-<ds:datastoreItem xmlns:ds="http://schemas.openxmlformats.org/officeDocument/2006/customXml" ds:itemID="{BCFDDF06-4D2E-4D6D-9A1B-C447B3F4EA67}">
-  <ds:schemaRefs>
-    <ds:schemaRef ds:uri="http://schemas.microsoft.com/VisualStudio/2011/storyboarding/control/v1.0"/>
-  </ds:schemaRefs>
-</ds:datastoreItem>
-</file>
-
-<file path=customXml/itemProps4.xml><?xml version="1.0" encoding="utf-8"?>
+<file path=customXml/itemProps9.xml><?xml version="1.0" encoding="utf-8"?>
 <ds:datastoreItem xmlns:ds="http://schemas.openxmlformats.org/officeDocument/2006/customXml" ds:itemID="{E83CE332-ECC5-4BAC-A734-C260BE747A0D}">
   <ds:schemaRefs>
     <ds:schemaRef ds:uri="http://schemas.microsoft.com/VisualStudio/2011/storyboarding/control/v1.0"/>
   </ds:schemaRefs>
 </ds:datastoreItem>
-</file>
-
-<file path=customXml/itemProps5.xml><?xml version="1.0" encoding="utf-8"?>
-<ds:datastoreItem xmlns:ds="http://schemas.openxmlformats.org/officeDocument/2006/customXml" ds:itemID="{366DA436-CE30-453F-9CC1-28AD3B50F144}">
-  <ds:schemaRefs>
-    <ds:schemaRef ds:uri="http://schemas.microsoft.com/VisualStudio/2011/storyboarding/control/v1.0"/>
-  </ds:schemaRefs>
-</ds:datastoreItem>
-</file>
-
-<file path=customXml/itemProps6.xml><?xml version="1.0" encoding="utf-8"?>
-<ds:datastoreItem xmlns:ds="http://schemas.openxmlformats.org/officeDocument/2006/customXml" ds:itemID="{5A6F5145-09F5-421E-ABA8-035D9DF59D73}">
-  <ds:schemaRefs>
-    <ds:schemaRef ds:uri="http://schemas.microsoft.com/VisualStudio/2011/storyboarding/control/v1.0"/>
-  </ds:schemaRefs>
-</ds:datastoreItem>
-</file>
-
-<file path=customXml/itemProps7.xml><?xml version="1.0" encoding="utf-8"?>
-<ds:datastoreItem xmlns:ds="http://schemas.openxmlformats.org/officeDocument/2006/customXml" ds:itemID="{AB8AF5A6-FA45-4246-A67D-74215671FBEF}">
-  <ds:schemaRefs>
-    <ds:schemaRef ds:uri="http://schemas.microsoft.com/VisualStudio/2011/storyboarding/control/v1.0"/>
-  </ds:schemaRefs>
-</ds:datastoreItem>
-</file>
-
-<file path=customXml/itemProps8.xml><?xml version="1.0" encoding="utf-8"?>
-<ds:datastoreItem xmlns:ds="http://schemas.openxmlformats.org/officeDocument/2006/customXml" ds:itemID="{D876FCC0-9E7A-48B1-8E50-1A0759F74E0A}">
-  <ds:schemaRefs>
-    <ds:schemaRef ds:uri="http://schemas.microsoft.com/VisualStudio/2011/storyboarding/control/v1.0"/>
-  </ds:schemaRefs>
-</ds:datastoreItem>
-</file>
-
-<file path=customXml/itemProps9.xml><?xml version="1.0" encoding="utf-8"?>
-<ds:datastoreItem xmlns:ds="http://schemas.openxmlformats.org/officeDocument/2006/customXml" ds:itemID="{2ED57B16-65F0-4D88-8FC8-86653DF414F3}">
-  <ds:schemaRefs>
-    <ds:schemaRef ds:uri="http://schemas.microsoft.com/VisualStudio/2011/storyboarding/control/v1.0"/>
-  </ds:schemaRefs>
-</ds:datastoreItem>
 </file>